--- a/Creditcard_fraud_IF_teamcopy.pptx
+++ b/Creditcard_fraud_IF_teamcopy.pptx
@@ -8377,6 +8377,7 @@
     <p:sldLayoutId id="2147483659" r:id="rId11"/>
     <p:sldLayoutId id="2147483660" r:id="rId12"/>
   </p:sldLayoutIdLst>
+  <p:hf hdr="0" dt="0"/>
   <p:txStyles>
     <p:titleStyle>
       <a:lvl1pPr algn="l" defTabSz="914400" rtl="0" eaLnBrk="1" latinLnBrk="0" hangingPunct="1">
@@ -8997,6 +8998,7 @@
     <p:sldLayoutId id="2147483672" r:id="rId11"/>
     <p:sldLayoutId id="2147483673" r:id="rId12"/>
   </p:sldLayoutIdLst>
+  <p:hf hdr="0" dt="0"/>
   <p:txStyles>
     <p:titleStyle>
       <a:lvl1pPr algn="l" defTabSz="914400" rtl="0" eaLnBrk="1" latinLnBrk="0" hangingPunct="1">
@@ -9617,6 +9619,7 @@
     <p:sldLayoutId id="2147483685" r:id="rId11"/>
     <p:sldLayoutId id="2147483686" r:id="rId12"/>
   </p:sldLayoutIdLst>
+  <p:hf hdr="0" dt="0"/>
   <p:txStyles>
     <p:titleStyle>
       <a:lvl1pPr algn="l" defTabSz="914400" rtl="0" eaLnBrk="1" latinLnBrk="0" hangingPunct="1">
@@ -10328,6 +10331,7 @@
     <p:sldLayoutId id="2147483698" r:id="rId11"/>
     <p:sldLayoutId id="2147483699" r:id="rId12"/>
   </p:sldLayoutIdLst>
+  <p:hf hdr="0" dt="0"/>
   <p:txStyles>
     <p:titleStyle>
       <a:lvl1pPr algn="l" defTabSz="914400" rtl="0" eaLnBrk="1" latinLnBrk="0" hangingPunct="1">
@@ -10881,6 +10885,7 @@
     <p:sldLayoutId id="2147483737" r:id="rId11"/>
     <p:sldLayoutId id="2147483738" r:id="rId12"/>
   </p:sldLayoutIdLst>
+  <p:hf hdr="0" dt="0"/>
   <p:txStyles>
     <p:titleStyle>
       <a:lvl1pPr algn="l" defTabSz="914400" rtl="0" eaLnBrk="1" latinLnBrk="0" hangingPunct="1">
@@ -11487,10 +11492,10 @@
       </p:sp>
       <p:pic>
         <p:nvPicPr>
-          <p:cNvPr id="3" name="Picture 2">
+          <p:cNvPr id="4" name="Picture 3">
             <a:extLst>
               <a:ext uri="{FF2B5EF4-FFF2-40B4-BE49-F238E27FC236}">
-                <a16:creationId xmlns:a16="http://schemas.microsoft.com/office/drawing/2014/main" id="{12320347-4B3F-37C3-0BEC-BB20F5552EA3}"/>
+                <a16:creationId xmlns:a16="http://schemas.microsoft.com/office/drawing/2014/main" id="{ADB4D8DA-EA38-E8DC-4C01-99802E76CD38}"/>
               </a:ext>
             </a:extLst>
           </p:cNvPr>
@@ -11507,8 +11512,8 @@
         </p:blipFill>
         <p:spPr>
           <a:xfrm>
-            <a:off x="757958" y="1016573"/>
-            <a:ext cx="7436232" cy="3638737"/>
+            <a:off x="464291" y="762937"/>
+            <a:ext cx="7352206" cy="5725570"/>
           </a:xfrm>
           <a:prstGeom prst="rect">
             <a:avLst/>
@@ -12221,7 +12226,7 @@
         </p:nvSpPr>
         <p:spPr>
           <a:xfrm>
-            <a:off x="609480" y="1134712"/>
+            <a:off x="609480" y="960255"/>
             <a:ext cx="10972440" cy="6405343"/>
           </a:xfrm>
         </p:spPr>
@@ -12478,7 +12483,7 @@
         <p:spPr>
           <a:xfrm>
             <a:off x="721283" y="1303424"/>
-            <a:ext cx="10283400" cy="6123300"/>
+            <a:ext cx="10283400" cy="5877078"/>
           </a:xfrm>
           <a:prstGeom prst="rect">
             <a:avLst/>
@@ -12678,26 +12683,6 @@
                 <a:spcPct val="100000"/>
               </a:lnSpc>
             </a:pPr>
-            <a:endParaRPr lang="en-US" sz="1800" b="0" strike="noStrike" spc="-1" dirty="0">
-              <a:latin typeface="Arial"/>
-            </a:endParaRPr>
-          </a:p>
-          <a:p>
-            <a:pPr>
-              <a:lnSpc>
-                <a:spcPct val="100000"/>
-              </a:lnSpc>
-            </a:pPr>
-            <a:r>
-              <a:rPr lang="en-US" sz="1800" b="0" strike="noStrike" spc="-1" dirty="0">
-                <a:solidFill>
-                  <a:srgbClr val="000000"/>
-                </a:solidFill>
-                <a:latin typeface="Daytona Condensed Light"/>
-                <a:ea typeface="DejaVu Sans"/>
-              </a:rPr>
-              <a:t>Research Question</a:t>
-            </a:r>
             <a:endParaRPr lang="en-US" sz="1800" b="0" strike="noStrike" spc="-1" dirty="0">
               <a:latin typeface="Arial"/>
             </a:endParaRPr>
